--- a/AI_Magic_Show_53.pptx
+++ b/AI_Magic_Show_53.pptx
@@ -13690,6 +13690,39 @@
           </a:p>
         </p:txBody>
       </p:sp>
+      <p:sp>
+        <p:nvSpPr>
+          <p:cNvPr id="301" name="LinkBox23"/>
+          <p:cNvSpPr txBox="1"/>
+          <p:nvPr/>
+        </p:nvSpPr>
+        <p:spPr>
+          <a:xfrm>
+            <a:off x="365760" y="4572000"/>
+            <a:ext cx="8411280" cy="457200"/>
+          </a:xfrm>
+          <a:prstGeom prst="rect">
+            <a:avLst/>
+          </a:prstGeom>
+          <a:noFill/>
+        </p:spPr>
+        <p:txBody>
+          <a:bodyPr wrap="square" rtlCol="0"/>
+          <a:lstStyle/>
+          <a:p>
+            <a:r>
+              <a:rPr lang="ko-KR" sz="1200" b="1" dirty="0">
+                <a:solidFill>
+                  <a:srgbClr val="3498DB"/>
+                </a:solidFill>
+                <a:latin typeface="Calibri" pitchFamily="34" charset="0"/>
+                <a:hlinkClick r:id="rId4"/>
+              </a:rPr>
+              <a:t>🔗 V40 정치인 평가 프로세스 다이어그램 보기</a:t>
+            </a:r>
+          </a:p>
+        </p:txBody>
+      </p:sp>
     </p:spTree>
   </p:cSld>
   <p:clrMapOvr>
@@ -30895,7 +30928,7 @@
                 <a:latin typeface="Calibri" pitchFamily="34" charset="0"/>
                 <a:ea typeface="Calibri" pitchFamily="34" charset="-122"/>
                 <a:cs typeface="Calibri" pitchFamily="34" charset="-120"/>
-                <a:hlinkClick r:id="rId6"/>
+                <a:hlinkClick r:id="rId4"/>
               </a:rPr>
               <a:t>🔗 sales-system-psi.vercel.app</a:t>
             </a:r>
@@ -30978,7 +31011,7 @@
           <p:nvPr/>
         </p:nvPicPr>
         <p:blipFill>
-          <a:blip r:embed="rId4"/>
+          <a:blip r:embed="rId5"/>
           <a:srcRect/>
           <a:stretch/>
         </p:blipFill>
@@ -31090,7 +31123,7 @@
                 <a:latin typeface="Calibri" pitchFamily="34" charset="0"/>
                 <a:ea typeface="Calibri" pitchFamily="34" charset="-122"/>
                 <a:cs typeface="Calibri" pitchFamily="34" charset="-120"/>
-                <a:hlinkClick r:id="rId7"/>
+                <a:hlinkClick r:id="rId6"/>
               </a:rPr>
               <a:t>🔗 SUNNY ECOSYSTEM Service Hub</a:t>
             </a:r>
@@ -31235,7 +31268,29 @@
                 <a:ea typeface="Calibri" pitchFamily="34" charset="-122"/>
                 <a:cs typeface="Calibri" pitchFamily="34" charset="-120"/>
               </a:rPr>
-              <a:t>AI 법률 문서 작성 및 자문</a:t>
+              <a:t>AI </a:t>
+            </a:r>
+            <a:r>
+              <a:rPr lang="en-US" sz="1300" b="1" dirty="0" err="1">
+                <a:solidFill>
+                  <a:schemeClr val="accent2"/>
+                </a:solidFill>
+                <a:latin typeface="Arial Black" panose="020B0A04020102020204" pitchFamily="34" charset="0"/>
+                <a:ea typeface="Calibri" pitchFamily="34" charset="-122"/>
+                <a:cs typeface="Calibri" pitchFamily="34" charset="-120"/>
+              </a:rPr>
+              <a:t>법률문서</a:t>
+            </a:r>
+            <a:r>
+              <a:rPr lang="en-US" sz="1300" b="1" dirty="0">
+                <a:solidFill>
+                  <a:schemeClr val="accent2"/>
+                </a:solidFill>
+                <a:latin typeface="Arial Black" panose="020B0A04020102020204" pitchFamily="34" charset="0"/>
+                <a:ea typeface="Calibri" pitchFamily="34" charset="-122"/>
+                <a:cs typeface="Calibri" pitchFamily="34" charset="-120"/>
+              </a:rPr>
+              <a:t> 작성 및 자문</a:t>
             </a:r>
             <a:endParaRPr lang="en-US" sz="1300" b="1" dirty="0">
               <a:solidFill>
@@ -31321,7 +31376,7 @@
           <p:nvPr/>
         </p:nvPicPr>
         <p:blipFill>
-          <a:blip r:embed="rId5"/>
+          <a:blip r:embed="rId7"/>
           <a:srcRect/>
           <a:stretch/>
         </p:blipFill>
